--- a/figures/paperFigures.pptx
+++ b/figures/paperFigures.pptx
@@ -105,6 +105,11 @@
       </a:defRPr>
     </a:lvl9pPr>
   </p:defaultTextStyle>
+  <p:extLst>
+    <p:ext uri="{EFAFB233-063F-42B5-8137-9DF3F51BA10A}">
+      <p15:sldGuideLst xmlns:p15="http://schemas.microsoft.com/office/powerpoint/2012/main"/>
+    </p:ext>
+  </p:extLst>
 </p:presentation>
 </file>
 
@@ -239,7 +244,7 @@
           <a:p>
             <a:fld id="{23D7BE70-FCFA-0D47-B16B-563D9E0B0F53}" type="datetimeFigureOut">
               <a:rPr lang="en-LT" smtClean="0"/>
-              <a:t>2023-03-03</a:t>
+              <a:t>2023-03-15</a:t>
             </a:fld>
             <a:endParaRPr lang="en-LT"/>
           </a:p>
@@ -409,7 +414,7 @@
           <a:p>
             <a:fld id="{23D7BE70-FCFA-0D47-B16B-563D9E0B0F53}" type="datetimeFigureOut">
               <a:rPr lang="en-LT" smtClean="0"/>
-              <a:t>2023-03-03</a:t>
+              <a:t>2023-03-15</a:t>
             </a:fld>
             <a:endParaRPr lang="en-LT"/>
           </a:p>
@@ -589,7 +594,7 @@
           <a:p>
             <a:fld id="{23D7BE70-FCFA-0D47-B16B-563D9E0B0F53}" type="datetimeFigureOut">
               <a:rPr lang="en-LT" smtClean="0"/>
-              <a:t>2023-03-03</a:t>
+              <a:t>2023-03-15</a:t>
             </a:fld>
             <a:endParaRPr lang="en-LT"/>
           </a:p>
@@ -759,7 +764,7 @@
           <a:p>
             <a:fld id="{23D7BE70-FCFA-0D47-B16B-563D9E0B0F53}" type="datetimeFigureOut">
               <a:rPr lang="en-LT" smtClean="0"/>
-              <a:t>2023-03-03</a:t>
+              <a:t>2023-03-15</a:t>
             </a:fld>
             <a:endParaRPr lang="en-LT"/>
           </a:p>
@@ -1003,7 +1008,7 @@
           <a:p>
             <a:fld id="{23D7BE70-FCFA-0D47-B16B-563D9E0B0F53}" type="datetimeFigureOut">
               <a:rPr lang="en-LT" smtClean="0"/>
-              <a:t>2023-03-03</a:t>
+              <a:t>2023-03-15</a:t>
             </a:fld>
             <a:endParaRPr lang="en-LT"/>
           </a:p>
@@ -1235,7 +1240,7 @@
           <a:p>
             <a:fld id="{23D7BE70-FCFA-0D47-B16B-563D9E0B0F53}" type="datetimeFigureOut">
               <a:rPr lang="en-LT" smtClean="0"/>
-              <a:t>2023-03-03</a:t>
+              <a:t>2023-03-15</a:t>
             </a:fld>
             <a:endParaRPr lang="en-LT"/>
           </a:p>
@@ -1602,7 +1607,7 @@
           <a:p>
             <a:fld id="{23D7BE70-FCFA-0D47-B16B-563D9E0B0F53}" type="datetimeFigureOut">
               <a:rPr lang="en-LT" smtClean="0"/>
-              <a:t>2023-03-03</a:t>
+              <a:t>2023-03-15</a:t>
             </a:fld>
             <a:endParaRPr lang="en-LT"/>
           </a:p>
@@ -1720,7 +1725,7 @@
           <a:p>
             <a:fld id="{23D7BE70-FCFA-0D47-B16B-563D9E0B0F53}" type="datetimeFigureOut">
               <a:rPr lang="en-LT" smtClean="0"/>
-              <a:t>2023-03-03</a:t>
+              <a:t>2023-03-15</a:t>
             </a:fld>
             <a:endParaRPr lang="en-LT"/>
           </a:p>
@@ -1815,7 +1820,7 @@
           <a:p>
             <a:fld id="{23D7BE70-FCFA-0D47-B16B-563D9E0B0F53}" type="datetimeFigureOut">
               <a:rPr lang="en-LT" smtClean="0"/>
-              <a:t>2023-03-03</a:t>
+              <a:t>2023-03-15</a:t>
             </a:fld>
             <a:endParaRPr lang="en-LT"/>
           </a:p>
@@ -2092,7 +2097,7 @@
           <a:p>
             <a:fld id="{23D7BE70-FCFA-0D47-B16B-563D9E0B0F53}" type="datetimeFigureOut">
               <a:rPr lang="en-LT" smtClean="0"/>
-              <a:t>2023-03-03</a:t>
+              <a:t>2023-03-15</a:t>
             </a:fld>
             <a:endParaRPr lang="en-LT"/>
           </a:p>
@@ -2349,7 +2354,7 @@
           <a:p>
             <a:fld id="{23D7BE70-FCFA-0D47-B16B-563D9E0B0F53}" type="datetimeFigureOut">
               <a:rPr lang="en-LT" smtClean="0"/>
-              <a:t>2023-03-03</a:t>
+              <a:t>2023-03-15</a:t>
             </a:fld>
             <a:endParaRPr lang="en-LT"/>
           </a:p>
@@ -2562,7 +2567,7 @@
           <a:p>
             <a:fld id="{23D7BE70-FCFA-0D47-B16B-563D9E0B0F53}" type="datetimeFigureOut">
               <a:rPr lang="en-LT" smtClean="0"/>
-              <a:t>2023-03-03</a:t>
+              <a:t>2023-03-15</a:t>
             </a:fld>
             <a:endParaRPr lang="en-LT"/>
           </a:p>
@@ -3031,16 +3036,15 @@
             </p:cNvPicPr>
             <p:nvPr/>
           </p:nvPicPr>
-          <p:blipFill>
+          <p:blipFill rotWithShape="1">
             <a:blip r:embed="rId3"/>
-            <a:stretch>
-              <a:fillRect/>
-            </a:stretch>
+            <a:srcRect l="82" r="1"/>
+            <a:stretch/>
           </p:blipFill>
           <p:spPr>
             <a:xfrm>
-              <a:off x="1433561" y="1503950"/>
-              <a:ext cx="3684474" cy="3268772"/>
+              <a:off x="1436609" y="1503950"/>
+              <a:ext cx="3686400" cy="3273188"/>
             </a:xfrm>
             <a:prstGeom prst="rect">
               <a:avLst/>
